--- a/_Prototype/Document/System/채집 시스템.pptx
+++ b/_Prototype/Document/System/채집 시스템.pptx
@@ -216,7 +216,7 @@
           <a:p>
             <a:fld id="{1BE7B796-A74A-480E-B7C3-F20E279F0A7C}" type="datetimeFigureOut">
               <a:rPr lang="ko-KR" altLang="en-US" smtClean="0"/>
-              <a:t>2022-05-18(Wed)</a:t>
+              <a:t>2022-09-21</a:t>
             </a:fld>
             <a:endParaRPr lang="ko-KR" altLang="en-US"/>
           </a:p>
@@ -1302,7 +1302,7 @@
           <a:p>
             <a:fld id="{4E8DDE92-A542-49E3-8BCA-C8166235BA4E}" type="datetimeFigureOut">
               <a:rPr lang="ko-KR" altLang="en-US" smtClean="0"/>
-              <a:t>2022-05-18(Wed)</a:t>
+              <a:t>2022-09-21</a:t>
             </a:fld>
             <a:endParaRPr lang="ko-KR" altLang="en-US"/>
           </a:p>
@@ -1500,7 +1500,7 @@
           <a:p>
             <a:fld id="{4E8DDE92-A542-49E3-8BCA-C8166235BA4E}" type="datetimeFigureOut">
               <a:rPr lang="ko-KR" altLang="en-US" smtClean="0"/>
-              <a:t>2022-05-18(Wed)</a:t>
+              <a:t>2022-09-21</a:t>
             </a:fld>
             <a:endParaRPr lang="ko-KR" altLang="en-US"/>
           </a:p>
@@ -1708,7 +1708,7 @@
           <a:p>
             <a:fld id="{4E8DDE92-A542-49E3-8BCA-C8166235BA4E}" type="datetimeFigureOut">
               <a:rPr lang="ko-KR" altLang="en-US" smtClean="0"/>
-              <a:t>2022-05-18(Wed)</a:t>
+              <a:t>2022-09-21</a:t>
             </a:fld>
             <a:endParaRPr lang="ko-KR" altLang="en-US"/>
           </a:p>
@@ -2158,7 +2158,7 @@
           <a:p>
             <a:fld id="{4E8DDE92-A542-49E3-8BCA-C8166235BA4E}" type="datetimeFigureOut">
               <a:rPr lang="ko-KR" altLang="en-US" smtClean="0"/>
-              <a:t>2022-05-18(Wed)</a:t>
+              <a:t>2022-09-21</a:t>
             </a:fld>
             <a:endParaRPr lang="ko-KR" altLang="en-US"/>
           </a:p>
@@ -2433,7 +2433,7 @@
           <a:p>
             <a:fld id="{4E8DDE92-A542-49E3-8BCA-C8166235BA4E}" type="datetimeFigureOut">
               <a:rPr lang="ko-KR" altLang="en-US" smtClean="0"/>
-              <a:t>2022-05-18(Wed)</a:t>
+              <a:t>2022-09-21</a:t>
             </a:fld>
             <a:endParaRPr lang="ko-KR" altLang="en-US"/>
           </a:p>
@@ -2698,7 +2698,7 @@
           <a:p>
             <a:fld id="{4E8DDE92-A542-49E3-8BCA-C8166235BA4E}" type="datetimeFigureOut">
               <a:rPr lang="ko-KR" altLang="en-US" smtClean="0"/>
-              <a:t>2022-05-18(Wed)</a:t>
+              <a:t>2022-09-21</a:t>
             </a:fld>
             <a:endParaRPr lang="ko-KR" altLang="en-US"/>
           </a:p>
@@ -3110,7 +3110,7 @@
           <a:p>
             <a:fld id="{4E8DDE92-A542-49E3-8BCA-C8166235BA4E}" type="datetimeFigureOut">
               <a:rPr lang="ko-KR" altLang="en-US" smtClean="0"/>
-              <a:t>2022-05-18(Wed)</a:t>
+              <a:t>2022-09-21</a:t>
             </a:fld>
             <a:endParaRPr lang="ko-KR" altLang="en-US"/>
           </a:p>
@@ -3251,7 +3251,7 @@
           <a:p>
             <a:fld id="{4E8DDE92-A542-49E3-8BCA-C8166235BA4E}" type="datetimeFigureOut">
               <a:rPr lang="ko-KR" altLang="en-US" smtClean="0"/>
-              <a:t>2022-05-18(Wed)</a:t>
+              <a:t>2022-09-21</a:t>
             </a:fld>
             <a:endParaRPr lang="ko-KR" altLang="en-US"/>
           </a:p>
@@ -3364,7 +3364,7 @@
           <a:p>
             <a:fld id="{4E8DDE92-A542-49E3-8BCA-C8166235BA4E}" type="datetimeFigureOut">
               <a:rPr lang="ko-KR" altLang="en-US" smtClean="0"/>
-              <a:t>2022-05-18(Wed)</a:t>
+              <a:t>2022-09-21</a:t>
             </a:fld>
             <a:endParaRPr lang="ko-KR" altLang="en-US"/>
           </a:p>
@@ -3675,7 +3675,7 @@
           <a:p>
             <a:fld id="{4E8DDE92-A542-49E3-8BCA-C8166235BA4E}" type="datetimeFigureOut">
               <a:rPr lang="ko-KR" altLang="en-US" smtClean="0"/>
-              <a:t>2022-05-18(Wed)</a:t>
+              <a:t>2022-09-21</a:t>
             </a:fld>
             <a:endParaRPr lang="ko-KR" altLang="en-US"/>
           </a:p>
@@ -3963,7 +3963,7 @@
           <a:p>
             <a:fld id="{4E8DDE92-A542-49E3-8BCA-C8166235BA4E}" type="datetimeFigureOut">
               <a:rPr lang="ko-KR" altLang="en-US" smtClean="0"/>
-              <a:t>2022-05-18(Wed)</a:t>
+              <a:t>2022-09-21</a:t>
             </a:fld>
             <a:endParaRPr lang="ko-KR" altLang="en-US"/>
           </a:p>
@@ -4204,7 +4204,7 @@
           <a:p>
             <a:fld id="{4E8DDE92-A542-49E3-8BCA-C8166235BA4E}" type="datetimeFigureOut">
               <a:rPr lang="ko-KR" altLang="en-US" smtClean="0"/>
-              <a:t>2022-05-18(Wed)</a:t>
+              <a:t>2022-09-21</a:t>
             </a:fld>
             <a:endParaRPr lang="ko-KR" altLang="en-US"/>
           </a:p>
@@ -4806,8 +4806,16 @@
           <a:lstStyle/>
           <a:p>
             <a:r>
+              <a:rPr lang="ko-KR" altLang="en-US" sz="2800" b="1" dirty="0" smtClean="0"/>
+              <a:t>미션</a:t>
+            </a:r>
+            <a:r>
+              <a:rPr lang="ko-KR" altLang="en-US" sz="2800" b="1" dirty="0" smtClean="0"/>
+              <a:t> </a:t>
+            </a:r>
+            <a:r>
               <a:rPr lang="ko-KR" altLang="en-US" sz="2800" b="1" dirty="0"/>
-              <a:t>맵 설명</a:t>
+              <a:t>설명</a:t>
             </a:r>
             <a:endParaRPr lang="en-US" altLang="ko-KR" sz="2800" b="1" dirty="0"/>
           </a:p>
@@ -5993,7 +6001,7 @@
                   <a14:useLocalDpi xmlns:a14="http://schemas.microsoft.com/office/drawing/2010/main" val="0"/>
                 </a:ext>
                 <a:ext uri="{96DAC541-7B7A-43D3-8B79-37D633B846F1}">
-                  <asvg:svgBlip xmlns:asvg="http://schemas.microsoft.com/office/drawing/2016/SVG/main" r:embed="rId4"/>
+                  <asvg:svgBlip xmlns:asvg="http://schemas.microsoft.com/office/drawing/2016/SVG/main" xmlns="" r:embed="rId4"/>
                 </a:ext>
               </a:extLst>
             </a:blip>
@@ -8087,7 +8095,7 @@
                   <a14:useLocalDpi xmlns:a14="http://schemas.microsoft.com/office/drawing/2010/main" val="0"/>
                 </a:ext>
                 <a:ext uri="{96DAC541-7B7A-43D3-8B79-37D633B846F1}">
-                  <asvg:svgBlip xmlns:asvg="http://schemas.microsoft.com/office/drawing/2016/SVG/main" r:embed="rId4"/>
+                  <asvg:svgBlip xmlns:asvg="http://schemas.microsoft.com/office/drawing/2016/SVG/main" xmlns="" r:embed="rId4"/>
                 </a:ext>
               </a:extLst>
             </a:blip>
@@ -8182,7 +8190,7 @@
                   <a14:useLocalDpi xmlns:a14="http://schemas.microsoft.com/office/drawing/2010/main" val="0"/>
                 </a:ext>
                 <a:ext uri="{96DAC541-7B7A-43D3-8B79-37D633B846F1}">
-                  <asvg:svgBlip xmlns:asvg="http://schemas.microsoft.com/office/drawing/2016/SVG/main" r:embed="rId8"/>
+                  <asvg:svgBlip xmlns:asvg="http://schemas.microsoft.com/office/drawing/2016/SVG/main" xmlns="" r:embed="rId8"/>
                 </a:ext>
               </a:extLst>
             </a:blip>
@@ -8221,7 +8229,7 @@
                   <a14:useLocalDpi xmlns:a14="http://schemas.microsoft.com/office/drawing/2010/main" val="0"/>
                 </a:ext>
                 <a:ext uri="{96DAC541-7B7A-43D3-8B79-37D633B846F1}">
-                  <asvg:svgBlip xmlns:asvg="http://schemas.microsoft.com/office/drawing/2016/SVG/main" r:embed="rId8"/>
+                  <asvg:svgBlip xmlns:asvg="http://schemas.microsoft.com/office/drawing/2016/SVG/main" xmlns="" r:embed="rId8"/>
                 </a:ext>
               </a:extLst>
             </a:blip>
@@ -8260,7 +8268,7 @@
                   <a14:useLocalDpi xmlns:a14="http://schemas.microsoft.com/office/drawing/2010/main" val="0"/>
                 </a:ext>
                 <a:ext uri="{96DAC541-7B7A-43D3-8B79-37D633B846F1}">
-                  <asvg:svgBlip xmlns:asvg="http://schemas.microsoft.com/office/drawing/2016/SVG/main" r:embed="rId8"/>
+                  <asvg:svgBlip xmlns:asvg="http://schemas.microsoft.com/office/drawing/2016/SVG/main" xmlns="" r:embed="rId8"/>
                 </a:ext>
               </a:extLst>
             </a:blip>
@@ -8299,7 +8307,7 @@
                   <a14:useLocalDpi xmlns:a14="http://schemas.microsoft.com/office/drawing/2010/main" val="0"/>
                 </a:ext>
                 <a:ext uri="{96DAC541-7B7A-43D3-8B79-37D633B846F1}">
-                  <asvg:svgBlip xmlns:asvg="http://schemas.microsoft.com/office/drawing/2016/SVG/main" r:embed="rId8"/>
+                  <asvg:svgBlip xmlns:asvg="http://schemas.microsoft.com/office/drawing/2016/SVG/main" xmlns="" r:embed="rId8"/>
                 </a:ext>
               </a:extLst>
             </a:blip>
@@ -8338,7 +8346,7 @@
                   <a14:useLocalDpi xmlns:a14="http://schemas.microsoft.com/office/drawing/2010/main" val="0"/>
                 </a:ext>
                 <a:ext uri="{96DAC541-7B7A-43D3-8B79-37D633B846F1}">
-                  <asvg:svgBlip xmlns:asvg="http://schemas.microsoft.com/office/drawing/2016/SVG/main" r:embed="rId8"/>
+                  <asvg:svgBlip xmlns:asvg="http://schemas.microsoft.com/office/drawing/2016/SVG/main" xmlns="" r:embed="rId8"/>
                 </a:ext>
               </a:extLst>
             </a:blip>
@@ -8377,7 +8385,7 @@
                   <a14:useLocalDpi xmlns:a14="http://schemas.microsoft.com/office/drawing/2010/main" val="0"/>
                 </a:ext>
                 <a:ext uri="{96DAC541-7B7A-43D3-8B79-37D633B846F1}">
-                  <asvg:svgBlip xmlns:asvg="http://schemas.microsoft.com/office/drawing/2016/SVG/main" r:embed="rId8"/>
+                  <asvg:svgBlip xmlns:asvg="http://schemas.microsoft.com/office/drawing/2016/SVG/main" xmlns="" r:embed="rId8"/>
                 </a:ext>
               </a:extLst>
             </a:blip>
@@ -8416,7 +8424,7 @@
                   <a14:useLocalDpi xmlns:a14="http://schemas.microsoft.com/office/drawing/2010/main" val="0"/>
                 </a:ext>
                 <a:ext uri="{96DAC541-7B7A-43D3-8B79-37D633B846F1}">
-                  <asvg:svgBlip xmlns:asvg="http://schemas.microsoft.com/office/drawing/2016/SVG/main" r:embed="rId8"/>
+                  <asvg:svgBlip xmlns:asvg="http://schemas.microsoft.com/office/drawing/2016/SVG/main" xmlns="" r:embed="rId8"/>
                 </a:ext>
               </a:extLst>
             </a:blip>
@@ -8455,7 +8463,7 @@
                   <a14:useLocalDpi xmlns:a14="http://schemas.microsoft.com/office/drawing/2010/main" val="0"/>
                 </a:ext>
                 <a:ext uri="{96DAC541-7B7A-43D3-8B79-37D633B846F1}">
-                  <asvg:svgBlip xmlns:asvg="http://schemas.microsoft.com/office/drawing/2016/SVG/main" r:embed="rId8"/>
+                  <asvg:svgBlip xmlns:asvg="http://schemas.microsoft.com/office/drawing/2016/SVG/main" xmlns="" r:embed="rId8"/>
                 </a:ext>
               </a:extLst>
             </a:blip>
@@ -10280,7 +10288,7 @@
                   <a14:useLocalDpi xmlns:a14="http://schemas.microsoft.com/office/drawing/2010/main" val="0"/>
                 </a:ext>
                 <a:ext uri="{96DAC541-7B7A-43D3-8B79-37D633B846F1}">
-                  <asvg:svgBlip xmlns:asvg="http://schemas.microsoft.com/office/drawing/2016/SVG/main" r:embed="rId4"/>
+                  <asvg:svgBlip xmlns:asvg="http://schemas.microsoft.com/office/drawing/2016/SVG/main" xmlns="" r:embed="rId4"/>
                 </a:ext>
               </a:extLst>
             </a:blip>
@@ -10466,7 +10474,7 @@
                   <a14:useLocalDpi xmlns:a14="http://schemas.microsoft.com/office/drawing/2010/main" val="0"/>
                 </a:ext>
                 <a:ext uri="{96DAC541-7B7A-43D3-8B79-37D633B846F1}">
-                  <asvg:svgBlip xmlns:asvg="http://schemas.microsoft.com/office/drawing/2016/SVG/main" r:embed="rId10"/>
+                  <asvg:svgBlip xmlns:asvg="http://schemas.microsoft.com/office/drawing/2016/SVG/main" xmlns="" r:embed="rId10"/>
                 </a:ext>
               </a:extLst>
             </a:blip>
@@ -10505,7 +10513,7 @@
                   <a14:useLocalDpi xmlns:a14="http://schemas.microsoft.com/office/drawing/2010/main" val="0"/>
                 </a:ext>
                 <a:ext uri="{96DAC541-7B7A-43D3-8B79-37D633B846F1}">
-                  <asvg:svgBlip xmlns:asvg="http://schemas.microsoft.com/office/drawing/2016/SVG/main" r:embed="rId10"/>
+                  <asvg:svgBlip xmlns:asvg="http://schemas.microsoft.com/office/drawing/2016/SVG/main" xmlns="" r:embed="rId10"/>
                 </a:ext>
               </a:extLst>
             </a:blip>
@@ -12385,7 +12393,7 @@
                   <a14:useLocalDpi xmlns:a14="http://schemas.microsoft.com/office/drawing/2010/main" val="0"/>
                 </a:ext>
                 <a:ext uri="{96DAC541-7B7A-43D3-8B79-37D633B846F1}">
-                  <asvg:svgBlip xmlns:asvg="http://schemas.microsoft.com/office/drawing/2016/SVG/main" r:embed="rId4"/>
+                  <asvg:svgBlip xmlns:asvg="http://schemas.microsoft.com/office/drawing/2016/SVG/main" xmlns="" r:embed="rId4"/>
                 </a:ext>
               </a:extLst>
             </a:blip>
@@ -14607,7 +14615,7 @@
                   <a14:useLocalDpi xmlns:a14="http://schemas.microsoft.com/office/drawing/2010/main" val="0"/>
                 </a:ext>
                 <a:ext uri="{96DAC541-7B7A-43D3-8B79-37D633B846F1}">
-                  <asvg:svgBlip xmlns:asvg="http://schemas.microsoft.com/office/drawing/2016/SVG/main" r:embed="rId4"/>
+                  <asvg:svgBlip xmlns:asvg="http://schemas.microsoft.com/office/drawing/2016/SVG/main" xmlns="" r:embed="rId4"/>
                 </a:ext>
               </a:extLst>
             </a:blip>
@@ -17102,7 +17110,7 @@
                   <a14:useLocalDpi xmlns:a14="http://schemas.microsoft.com/office/drawing/2010/main" val="0"/>
                 </a:ext>
                 <a:ext uri="{96DAC541-7B7A-43D3-8B79-37D633B846F1}">
-                  <asvg:svgBlip xmlns:asvg="http://schemas.microsoft.com/office/drawing/2016/SVG/main" r:embed="rId4"/>
+                  <asvg:svgBlip xmlns:asvg="http://schemas.microsoft.com/office/drawing/2016/SVG/main" xmlns="" r:embed="rId4"/>
                 </a:ext>
               </a:extLst>
             </a:blip>
@@ -19186,7 +19194,7 @@
                   <a14:useLocalDpi xmlns:a14="http://schemas.microsoft.com/office/drawing/2010/main" val="0"/>
                 </a:ext>
                 <a:ext uri="{96DAC541-7B7A-43D3-8B79-37D633B846F1}">
-                  <asvg:svgBlip xmlns:asvg="http://schemas.microsoft.com/office/drawing/2016/SVG/main" r:embed="rId4"/>
+                  <asvg:svgBlip xmlns:asvg="http://schemas.microsoft.com/office/drawing/2016/SVG/main" xmlns="" r:embed="rId4"/>
                 </a:ext>
               </a:extLst>
             </a:blip>
@@ -22665,7 +22673,7 @@
                   <a14:useLocalDpi xmlns:a14="http://schemas.microsoft.com/office/drawing/2010/main" val="0"/>
                 </a:ext>
                 <a:ext uri="{96DAC541-7B7A-43D3-8B79-37D633B846F1}">
-                  <asvg:svgBlip xmlns:asvg="http://schemas.microsoft.com/office/drawing/2016/SVG/main" r:embed="rId4"/>
+                  <asvg:svgBlip xmlns:asvg="http://schemas.microsoft.com/office/drawing/2016/SVG/main" xmlns="" r:embed="rId4"/>
                 </a:ext>
               </a:extLst>
             </a:blip>
